--- a/uwsc2.pptx
+++ b/uwsc2.pptx
@@ -16,10 +16,15 @@
     <p:sldId id="277" r:id="rId10"/>
     <p:sldId id="271" r:id="rId11"/>
     <p:sldId id="303" r:id="rId12"/>
-    <p:sldId id="269" r:id="rId13"/>
-    <p:sldId id="299" r:id="rId14"/>
-    <p:sldId id="276" r:id="rId15"/>
-    <p:sldId id="298" r:id="rId16"/>
+    <p:sldId id="304" r:id="rId13"/>
+    <p:sldId id="306" r:id="rId14"/>
+    <p:sldId id="308" r:id="rId15"/>
+    <p:sldId id="305" r:id="rId16"/>
+    <p:sldId id="269" r:id="rId17"/>
+    <p:sldId id="299" r:id="rId18"/>
+    <p:sldId id="276" r:id="rId19"/>
+    <p:sldId id="298" r:id="rId20"/>
+    <p:sldId id="309" r:id="rId21"/>
   </p:sldIdLst>
   <p:sldSz cx="9144000" cy="6858000" type="screen4x3"/>
   <p:notesSz cx="6858000" cy="9144000"/>
@@ -255,7 +260,7 @@
           <a:p>
             <a:fld id="{39378AC4-C49C-4159-B332-7738B007311C}" type="datetimeFigureOut">
               <a:rPr kumimoji="1" lang="ja-JP" altLang="en-US" smtClean="0"/>
-              <a:t>2014/1/19</a:t>
+              <a:t>2014/1/21</a:t>
             </a:fld>
             <a:endParaRPr kumimoji="1" lang="ja-JP" altLang="en-US"/>
           </a:p>
@@ -600,7 +605,7 @@
           <a:p>
             <a:fld id="{39378AC4-C49C-4159-B332-7738B007311C}" type="datetimeFigureOut">
               <a:rPr kumimoji="1" lang="ja-JP" altLang="en-US" smtClean="0"/>
-              <a:t>2014/1/19</a:t>
+              <a:t>2014/1/21</a:t>
             </a:fld>
             <a:endParaRPr kumimoji="1" lang="ja-JP" altLang="en-US"/>
           </a:p>
@@ -817,7 +822,7 @@
           <a:p>
             <a:fld id="{39378AC4-C49C-4159-B332-7738B007311C}" type="datetimeFigureOut">
               <a:rPr kumimoji="1" lang="ja-JP" altLang="en-US" smtClean="0"/>
-              <a:t>2014/1/19</a:t>
+              <a:t>2014/1/21</a:t>
             </a:fld>
             <a:endParaRPr kumimoji="1" lang="ja-JP" altLang="en-US"/>
           </a:p>
@@ -1024,7 +1029,7 @@
           <a:p>
             <a:fld id="{39378AC4-C49C-4159-B332-7738B007311C}" type="datetimeFigureOut">
               <a:rPr kumimoji="1" lang="ja-JP" altLang="en-US" smtClean="0"/>
-              <a:t>2014/1/19</a:t>
+              <a:t>2014/1/21</a:t>
             </a:fld>
             <a:endParaRPr kumimoji="1" lang="ja-JP" altLang="en-US"/>
           </a:p>
@@ -1292,7 +1297,7 @@
           <a:p>
             <a:fld id="{39378AC4-C49C-4159-B332-7738B007311C}" type="datetimeFigureOut">
               <a:rPr kumimoji="1" lang="ja-JP" altLang="en-US" smtClean="0"/>
-              <a:t>2014/1/19</a:t>
+              <a:t>2014/1/21</a:t>
             </a:fld>
             <a:endParaRPr kumimoji="1" lang="ja-JP" altLang="en-US"/>
           </a:p>
@@ -1824,7 +1829,7 @@
           <a:p>
             <a:fld id="{39378AC4-C49C-4159-B332-7738B007311C}" type="datetimeFigureOut">
               <a:rPr kumimoji="1" lang="ja-JP" altLang="en-US" smtClean="0"/>
-              <a:t>2014/1/19</a:t>
+              <a:t>2014/1/21</a:t>
             </a:fld>
             <a:endParaRPr kumimoji="1" lang="ja-JP" altLang="en-US"/>
           </a:p>
@@ -2377,7 +2382,7 @@
           <a:p>
             <a:fld id="{39378AC4-C49C-4159-B332-7738B007311C}" type="datetimeFigureOut">
               <a:rPr kumimoji="1" lang="ja-JP" altLang="en-US" smtClean="0"/>
-              <a:t>2014/1/19</a:t>
+              <a:t>2014/1/21</a:t>
             </a:fld>
             <a:endParaRPr kumimoji="1" lang="ja-JP" altLang="en-US"/>
           </a:p>
@@ -2503,7 +2508,7 @@
           <a:p>
             <a:fld id="{39378AC4-C49C-4159-B332-7738B007311C}" type="datetimeFigureOut">
               <a:rPr kumimoji="1" lang="ja-JP" altLang="en-US" smtClean="0"/>
-              <a:t>2014/1/19</a:t>
+              <a:t>2014/1/21</a:t>
             </a:fld>
             <a:endParaRPr kumimoji="1" lang="ja-JP" altLang="en-US"/>
           </a:p>
@@ -2647,7 +2652,7 @@
           <a:p>
             <a:fld id="{39378AC4-C49C-4159-B332-7738B007311C}" type="datetimeFigureOut">
               <a:rPr kumimoji="1" lang="ja-JP" altLang="en-US" smtClean="0"/>
-              <a:t>2014/1/19</a:t>
+              <a:t>2014/1/21</a:t>
             </a:fld>
             <a:endParaRPr kumimoji="1" lang="ja-JP" altLang="en-US"/>
           </a:p>
@@ -3001,7 +3006,7 @@
           <a:p>
             <a:fld id="{39378AC4-C49C-4159-B332-7738B007311C}" type="datetimeFigureOut">
               <a:rPr kumimoji="1" lang="ja-JP" altLang="en-US" smtClean="0"/>
-              <a:t>2014/1/19</a:t>
+              <a:t>2014/1/21</a:t>
             </a:fld>
             <a:endParaRPr kumimoji="1" lang="ja-JP" altLang="en-US"/>
           </a:p>
@@ -3135,7 +3140,7 @@
           <a:p>
             <a:fld id="{39378AC4-C49C-4159-B332-7738B007311C}" type="datetimeFigureOut">
               <a:rPr kumimoji="1" lang="ja-JP" altLang="en-US" smtClean="0"/>
-              <a:t>2014/1/19</a:t>
+              <a:t>2014/1/21</a:t>
             </a:fld>
             <a:endParaRPr kumimoji="1" lang="ja-JP" altLang="en-US"/>
           </a:p>
@@ -3948,7 +3953,7 @@
           <a:p>
             <a:fld id="{39378AC4-C49C-4159-B332-7738B007311C}" type="datetimeFigureOut">
               <a:rPr kumimoji="1" lang="ja-JP" altLang="en-US" smtClean="0"/>
-              <a:t>2014/1/19</a:t>
+              <a:t>2014/1/21</a:t>
             </a:fld>
             <a:endParaRPr kumimoji="1" lang="ja-JP" altLang="en-US"/>
           </a:p>
@@ -4472,11 +4477,7 @@
             </a:r>
             <a:r>
               <a:rPr lang="ja-JP" altLang="en-US" dirty="0" smtClean="0"/>
-              <a:t>で</a:t>
-            </a:r>
-            <a:r>
-              <a:rPr lang="ja-JP" altLang="en-US" dirty="0" smtClean="0"/>
-              <a:t>遊ぼう２</a:t>
+              <a:t>で遊ぼう２</a:t>
             </a:r>
             <a:endParaRPr kumimoji="1" lang="ja-JP" altLang="en-US" dirty="0"/>
           </a:p>
@@ -4506,7 +4507,6 @@
               <a:rPr kumimoji="1" lang="en-US" altLang="ja-JP" dirty="0" smtClean="0"/>
               <a:t>2014/1/21</a:t>
             </a:r>
-            <a:endParaRPr kumimoji="1" lang="en-US" altLang="ja-JP" dirty="0" smtClean="0"/>
           </a:p>
           <a:p>
             <a:r>
@@ -4866,30 +4866,7 @@
       </p:grpSpPr>
       <p:sp>
         <p:nvSpPr>
-          <p:cNvPr id="2" name="タイトル 1"/>
-          <p:cNvSpPr>
-            <a:spLocks noGrp="1"/>
-          </p:cNvSpPr>
-          <p:nvPr>
-            <p:ph type="title"/>
-          </p:nvPr>
-        </p:nvSpPr>
-        <p:spPr/>
-        <p:txBody>
-          <a:bodyPr/>
-          <a:lstStyle/>
-          <a:p>
-            <a:r>
-              <a:rPr kumimoji="1" lang="ja-JP" altLang="en-US" dirty="0" smtClean="0"/>
-              <a:t>感想</a:t>
-            </a:r>
-            <a:endParaRPr kumimoji="1" lang="ja-JP" altLang="en-US" dirty="0"/>
-          </a:p>
-        </p:txBody>
-      </p:sp>
-      <p:sp>
-        <p:nvSpPr>
-          <p:cNvPr id="6" name="コンテンツ プレースホルダー 2"/>
+          <p:cNvPr id="3" name="コンテンツ プレースホルダー 2"/>
           <p:cNvSpPr>
             <a:spLocks noGrp="1"/>
           </p:cNvSpPr>
@@ -4899,8 +4876,8 @@
         </p:nvSpPr>
         <p:spPr>
           <a:xfrm>
-            <a:off x="1435608" y="1447800"/>
-            <a:ext cx="7498080" cy="5077544"/>
+            <a:off x="1043608" y="836712"/>
+            <a:ext cx="7890080" cy="5688632"/>
           </a:xfrm>
         </p:spPr>
         <p:txBody>
@@ -4909,50 +4886,19 @@
           </a:bodyPr>
           <a:lstStyle/>
           <a:p>
-            <a:r>
-              <a:rPr lang="en-US" altLang="ja-JP" dirty="0" smtClean="0"/>
-              <a:t>GET_DLL</a:t>
-            </a:r>
-            <a:r>
-              <a:rPr lang="ja-JP" altLang="en-US" dirty="0" err="1" smtClean="0"/>
-              <a:t>のせいも</a:t>
-            </a:r>
+            <a:pPr marL="82296" indent="0">
+              <a:buNone/>
+            </a:pPr>
             <a:r>
               <a:rPr lang="ja-JP" altLang="en-US" dirty="0" smtClean="0"/>
-              <a:t>あって可読性が</a:t>
-            </a:r>
-            <a:r>
-              <a:rPr lang="en-US" altLang="ja-JP" dirty="0" smtClean="0"/>
-              <a:t>…</a:t>
-            </a:r>
-            <a:endParaRPr kumimoji="1" lang="en-US" altLang="ja-JP" dirty="0" smtClean="0"/>
-          </a:p>
-          <a:p>
+              <a:t>①とりあえず画像が表示されるようになるまでに苦戦</a:t>
+            </a:r>
             <a:endParaRPr lang="en-US" altLang="ja-JP" dirty="0" smtClean="0"/>
           </a:p>
           <a:p>
-            <a:r>
-              <a:rPr lang="en-US" altLang="ja-JP" dirty="0" err="1" smtClean="0"/>
-              <a:t>WinApi</a:t>
-            </a:r>
-            <a:r>
-              <a:rPr lang="ja-JP" altLang="en-US" dirty="0" smtClean="0"/>
-              <a:t>内の組み込み定数をちゃんと記述しないといけないのが辛い</a:t>
-            </a:r>
-            <a:endParaRPr lang="en-US" altLang="ja-JP" dirty="0" smtClean="0"/>
-          </a:p>
-          <a:p>
-            <a:endParaRPr lang="en-US" altLang="ja-JP" dirty="0"/>
-          </a:p>
-          <a:p>
-            <a:r>
-              <a:rPr lang="en-US" altLang="ja-JP" dirty="0" smtClean="0"/>
-              <a:t>UWSC</a:t>
-            </a:r>
-            <a:r>
-              <a:rPr lang="ja-JP" altLang="en-US" dirty="0" smtClean="0"/>
-              <a:t>でやる必要性はよくわからない</a:t>
-            </a:r>
+            <a:pPr marL="82296" indent="0">
+              <a:buNone/>
+            </a:pPr>
             <a:endParaRPr lang="en-US" altLang="ja-JP" dirty="0"/>
           </a:p>
         </p:txBody>
@@ -4960,7 +4906,7 @@
     </p:spTree>
     <p:extLst>
       <p:ext uri="{BB962C8B-B14F-4D97-AF65-F5344CB8AC3E}">
-        <p14:creationId xmlns:p14="http://schemas.microsoft.com/office/powerpoint/2010/main" val="868550525"/>
+        <p14:creationId xmlns:p14="http://schemas.microsoft.com/office/powerpoint/2010/main" val="4117349655"/>
       </p:ext>
     </p:extLst>
   </p:cSld>
@@ -4996,6 +4942,601 @@
       </p:grpSpPr>
       <p:sp>
         <p:nvSpPr>
+          <p:cNvPr id="3" name="コンテンツ プレースホルダー 2"/>
+          <p:cNvSpPr>
+            <a:spLocks noGrp="1"/>
+          </p:cNvSpPr>
+          <p:nvPr>
+            <p:ph idx="1"/>
+          </p:nvPr>
+        </p:nvSpPr>
+        <p:spPr>
+          <a:xfrm>
+            <a:off x="1043608" y="836712"/>
+            <a:ext cx="7890080" cy="5688632"/>
+          </a:xfrm>
+        </p:spPr>
+        <p:txBody>
+          <a:bodyPr>
+            <a:normAutofit/>
+          </a:bodyPr>
+          <a:lstStyle/>
+          <a:p>
+            <a:pPr marL="82296" indent="0">
+              <a:buNone/>
+            </a:pPr>
+            <a:r>
+              <a:rPr lang="ja-JP" altLang="en-US" dirty="0" smtClean="0"/>
+              <a:t>①とりあえず画像が表示されるようになるまでに苦戦</a:t>
+            </a:r>
+            <a:endParaRPr lang="en-US" altLang="ja-JP" dirty="0" smtClean="0"/>
+          </a:p>
+          <a:p>
+            <a:pPr marL="82296" indent="0">
+              <a:buNone/>
+            </a:pPr>
+            <a:endParaRPr lang="en-US" altLang="ja-JP" dirty="0" smtClean="0"/>
+          </a:p>
+          <a:p>
+            <a:pPr marL="82296" indent="0">
+              <a:buNone/>
+            </a:pPr>
+            <a:endParaRPr lang="en-US" altLang="ja-JP" dirty="0"/>
+          </a:p>
+          <a:p>
+            <a:pPr marL="82296" indent="0">
+              <a:buNone/>
+            </a:pPr>
+            <a:r>
+              <a:rPr lang="ja-JP" altLang="en-US" dirty="0" smtClean="0"/>
+              <a:t>②なんとなくランダム配置にしてみる</a:t>
+            </a:r>
+            <a:endParaRPr lang="en-US" altLang="ja-JP" dirty="0" smtClean="0"/>
+          </a:p>
+          <a:p>
+            <a:pPr marL="82296" indent="0">
+              <a:buNone/>
+            </a:pPr>
+            <a:endParaRPr lang="en-US" altLang="ja-JP" dirty="0"/>
+          </a:p>
+        </p:txBody>
+      </p:sp>
+      <p:sp>
+        <p:nvSpPr>
+          <p:cNvPr id="2" name="下矢印 1"/>
+          <p:cNvSpPr/>
+          <p:nvPr/>
+        </p:nvSpPr>
+        <p:spPr>
+          <a:xfrm>
+            <a:off x="3923928" y="1916832"/>
+            <a:ext cx="1008112" cy="864096"/>
+          </a:xfrm>
+          <a:prstGeom prst="downArrow">
+            <a:avLst/>
+          </a:prstGeom>
+        </p:spPr>
+        <p:style>
+          <a:lnRef idx="2">
+            <a:schemeClr val="accent1">
+              <a:shade val="50000"/>
+            </a:schemeClr>
+          </a:lnRef>
+          <a:fillRef idx="1">
+            <a:schemeClr val="accent1"/>
+          </a:fillRef>
+          <a:effectRef idx="0">
+            <a:schemeClr val="accent1"/>
+          </a:effectRef>
+          <a:fontRef idx="minor">
+            <a:schemeClr val="lt1"/>
+          </a:fontRef>
+        </p:style>
+        <p:txBody>
+          <a:bodyPr rtlCol="0" anchor="ctr"/>
+          <a:lstStyle/>
+          <a:p>
+            <a:pPr algn="ctr"/>
+            <a:endParaRPr kumimoji="1" lang="ja-JP" altLang="en-US"/>
+          </a:p>
+        </p:txBody>
+      </p:sp>
+    </p:spTree>
+    <p:extLst>
+      <p:ext uri="{BB962C8B-B14F-4D97-AF65-F5344CB8AC3E}">
+        <p14:creationId xmlns:p14="http://schemas.microsoft.com/office/powerpoint/2010/main" val="890177004"/>
+      </p:ext>
+    </p:extLst>
+  </p:cSld>
+  <p:clrMapOvr>
+    <a:masterClrMapping/>
+  </p:clrMapOvr>
+  <p:timing>
+    <p:tnLst>
+      <p:par>
+        <p:cTn id="1" dur="indefinite" restart="never" nodeType="tmRoot"/>
+      </p:par>
+    </p:tnLst>
+  </p:timing>
+</p:sld>
+</file>
+
+<file path=ppt/slides/slide14.xml><?xml version="1.0" encoding="utf-8"?>
+<p:sld xmlns:a="http://schemas.openxmlformats.org/drawingml/2006/main" xmlns:r="http://schemas.openxmlformats.org/officeDocument/2006/relationships" xmlns:p="http://schemas.openxmlformats.org/presentationml/2006/main">
+  <p:cSld>
+    <p:spTree>
+      <p:nvGrpSpPr>
+        <p:cNvPr id="1" name=""/>
+        <p:cNvGrpSpPr/>
+        <p:nvPr/>
+      </p:nvGrpSpPr>
+      <p:grpSpPr>
+        <a:xfrm>
+          <a:off x="0" y="0"/>
+          <a:ext cx="0" cy="0"/>
+          <a:chOff x="0" y="0"/>
+          <a:chExt cx="0" cy="0"/>
+        </a:xfrm>
+      </p:grpSpPr>
+      <p:sp>
+        <p:nvSpPr>
+          <p:cNvPr id="3" name="コンテンツ プレースホルダー 2"/>
+          <p:cNvSpPr>
+            <a:spLocks noGrp="1"/>
+          </p:cNvSpPr>
+          <p:nvPr>
+            <p:ph idx="1"/>
+          </p:nvPr>
+        </p:nvSpPr>
+        <p:spPr>
+          <a:xfrm>
+            <a:off x="1043608" y="836712"/>
+            <a:ext cx="7890080" cy="5688632"/>
+          </a:xfrm>
+        </p:spPr>
+        <p:txBody>
+          <a:bodyPr>
+            <a:normAutofit/>
+          </a:bodyPr>
+          <a:lstStyle/>
+          <a:p>
+            <a:pPr marL="82296" indent="0">
+              <a:buNone/>
+            </a:pPr>
+            <a:r>
+              <a:rPr lang="ja-JP" altLang="en-US" dirty="0" smtClean="0"/>
+              <a:t>①とりあえず画像が表示されるようになるまでに苦戦</a:t>
+            </a:r>
+            <a:endParaRPr lang="en-US" altLang="ja-JP" dirty="0" smtClean="0"/>
+          </a:p>
+          <a:p>
+            <a:pPr marL="82296" indent="0">
+              <a:buNone/>
+            </a:pPr>
+            <a:endParaRPr lang="en-US" altLang="ja-JP" dirty="0" smtClean="0"/>
+          </a:p>
+          <a:p>
+            <a:pPr marL="82296" indent="0">
+              <a:buNone/>
+            </a:pPr>
+            <a:endParaRPr lang="en-US" altLang="ja-JP" dirty="0"/>
+          </a:p>
+          <a:p>
+            <a:pPr marL="82296" indent="0">
+              <a:buNone/>
+            </a:pPr>
+            <a:r>
+              <a:rPr lang="ja-JP" altLang="en-US" dirty="0" smtClean="0"/>
+              <a:t>②なんとなくランダム配置にしてみる</a:t>
+            </a:r>
+            <a:endParaRPr lang="en-US" altLang="ja-JP" dirty="0" smtClean="0"/>
+          </a:p>
+          <a:p>
+            <a:pPr marL="82296" indent="0">
+              <a:buNone/>
+            </a:pPr>
+            <a:endParaRPr lang="en-US" altLang="ja-JP" dirty="0" smtClean="0"/>
+          </a:p>
+          <a:p>
+            <a:pPr marL="82296" indent="0">
+              <a:buNone/>
+            </a:pPr>
+            <a:endParaRPr lang="en-US" altLang="ja-JP" dirty="0"/>
+          </a:p>
+          <a:p>
+            <a:pPr marL="82296" indent="0">
+              <a:buNone/>
+            </a:pPr>
+            <a:r>
+              <a:rPr lang="ja-JP" altLang="en-US" dirty="0" smtClean="0"/>
+              <a:t>③クリックすると反応するようにできれば面白そう</a:t>
+            </a:r>
+            <a:endParaRPr lang="en-US" altLang="ja-JP" dirty="0" smtClean="0"/>
+          </a:p>
+        </p:txBody>
+      </p:sp>
+      <p:sp>
+        <p:nvSpPr>
+          <p:cNvPr id="2" name="下矢印 1"/>
+          <p:cNvSpPr/>
+          <p:nvPr/>
+        </p:nvSpPr>
+        <p:spPr>
+          <a:xfrm>
+            <a:off x="3923928" y="1916832"/>
+            <a:ext cx="1008112" cy="864096"/>
+          </a:xfrm>
+          <a:prstGeom prst="downArrow">
+            <a:avLst/>
+          </a:prstGeom>
+        </p:spPr>
+        <p:style>
+          <a:lnRef idx="2">
+            <a:schemeClr val="accent1">
+              <a:shade val="50000"/>
+            </a:schemeClr>
+          </a:lnRef>
+          <a:fillRef idx="1">
+            <a:schemeClr val="accent1"/>
+          </a:fillRef>
+          <a:effectRef idx="0">
+            <a:schemeClr val="accent1"/>
+          </a:effectRef>
+          <a:fontRef idx="minor">
+            <a:schemeClr val="lt1"/>
+          </a:fontRef>
+        </p:style>
+        <p:txBody>
+          <a:bodyPr rtlCol="0" anchor="ctr"/>
+          <a:lstStyle/>
+          <a:p>
+            <a:pPr algn="ctr"/>
+            <a:endParaRPr kumimoji="1" lang="ja-JP" altLang="en-US"/>
+          </a:p>
+        </p:txBody>
+      </p:sp>
+      <p:sp>
+        <p:nvSpPr>
+          <p:cNvPr id="4" name="下矢印 3"/>
+          <p:cNvSpPr/>
+          <p:nvPr/>
+        </p:nvSpPr>
+        <p:spPr>
+          <a:xfrm>
+            <a:off x="3923928" y="3645024"/>
+            <a:ext cx="1008112" cy="864096"/>
+          </a:xfrm>
+          <a:prstGeom prst="downArrow">
+            <a:avLst/>
+          </a:prstGeom>
+        </p:spPr>
+        <p:style>
+          <a:lnRef idx="2">
+            <a:schemeClr val="accent1">
+              <a:shade val="50000"/>
+            </a:schemeClr>
+          </a:lnRef>
+          <a:fillRef idx="1">
+            <a:schemeClr val="accent1"/>
+          </a:fillRef>
+          <a:effectRef idx="0">
+            <a:schemeClr val="accent1"/>
+          </a:effectRef>
+          <a:fontRef idx="minor">
+            <a:schemeClr val="lt1"/>
+          </a:fontRef>
+        </p:style>
+        <p:txBody>
+          <a:bodyPr rtlCol="0" anchor="ctr"/>
+          <a:lstStyle/>
+          <a:p>
+            <a:pPr algn="ctr"/>
+            <a:endParaRPr kumimoji="1" lang="ja-JP" altLang="en-US"/>
+          </a:p>
+        </p:txBody>
+      </p:sp>
+    </p:spTree>
+    <p:extLst>
+      <p:ext uri="{BB962C8B-B14F-4D97-AF65-F5344CB8AC3E}">
+        <p14:creationId xmlns:p14="http://schemas.microsoft.com/office/powerpoint/2010/main" val="705267519"/>
+      </p:ext>
+    </p:extLst>
+  </p:cSld>
+  <p:clrMapOvr>
+    <a:masterClrMapping/>
+  </p:clrMapOvr>
+  <p:timing>
+    <p:tnLst>
+      <p:par>
+        <p:cTn id="1" dur="indefinite" restart="never" nodeType="tmRoot"/>
+      </p:par>
+    </p:tnLst>
+  </p:timing>
+</p:sld>
+</file>
+
+<file path=ppt/slides/slide15.xml><?xml version="1.0" encoding="utf-8"?>
+<p:sld xmlns:a="http://schemas.openxmlformats.org/drawingml/2006/main" xmlns:r="http://schemas.openxmlformats.org/officeDocument/2006/relationships" xmlns:p="http://schemas.openxmlformats.org/presentationml/2006/main">
+  <p:cSld>
+    <p:spTree>
+      <p:nvGrpSpPr>
+        <p:cNvPr id="1" name=""/>
+        <p:cNvGrpSpPr/>
+        <p:nvPr/>
+      </p:nvGrpSpPr>
+      <p:grpSpPr>
+        <a:xfrm>
+          <a:off x="0" y="0"/>
+          <a:ext cx="0" cy="0"/>
+          <a:chOff x="0" y="0"/>
+          <a:chExt cx="0" cy="0"/>
+        </a:xfrm>
+      </p:grpSpPr>
+      <p:sp>
+        <p:nvSpPr>
+          <p:cNvPr id="2" name="タイトル 1"/>
+          <p:cNvSpPr>
+            <a:spLocks noGrp="1"/>
+          </p:cNvSpPr>
+          <p:nvPr>
+            <p:ph type="title"/>
+          </p:nvPr>
+        </p:nvSpPr>
+        <p:spPr/>
+        <p:txBody>
+          <a:bodyPr/>
+          <a:lstStyle/>
+          <a:p>
+            <a:r>
+              <a:rPr kumimoji="1" lang="ja-JP" altLang="en-US" dirty="0" smtClean="0"/>
+              <a:t>今回使った</a:t>
+            </a:r>
+            <a:r>
+              <a:rPr kumimoji="1" lang="en-US" altLang="ja-JP" dirty="0" smtClean="0"/>
+              <a:t>API</a:t>
+            </a:r>
+            <a:r>
+              <a:rPr kumimoji="1" lang="ja-JP" altLang="en-US" dirty="0" smtClean="0"/>
+              <a:t>の感想</a:t>
+            </a:r>
+            <a:endParaRPr kumimoji="1" lang="ja-JP" altLang="en-US" dirty="0"/>
+          </a:p>
+        </p:txBody>
+      </p:sp>
+      <p:sp>
+        <p:nvSpPr>
+          <p:cNvPr id="6" name="コンテンツ プレースホルダー 2"/>
+          <p:cNvSpPr>
+            <a:spLocks noGrp="1"/>
+          </p:cNvSpPr>
+          <p:nvPr>
+            <p:ph idx="1"/>
+          </p:nvPr>
+        </p:nvSpPr>
+        <p:spPr>
+          <a:xfrm>
+            <a:off x="1435608" y="1447800"/>
+            <a:ext cx="7498080" cy="5077544"/>
+          </a:xfrm>
+        </p:spPr>
+        <p:txBody>
+          <a:bodyPr>
+            <a:normAutofit/>
+          </a:bodyPr>
+          <a:lstStyle/>
+          <a:p>
+            <a:r>
+              <a:rPr lang="ja-JP" altLang="en-US" dirty="0" smtClean="0"/>
+              <a:t>画像は１種類ごとにロードしないといけないのが面倒</a:t>
+            </a:r>
+            <a:endParaRPr lang="en-US" altLang="ja-JP" dirty="0" smtClean="0"/>
+          </a:p>
+          <a:p>
+            <a:pPr marL="82296" indent="0">
+              <a:buNone/>
+            </a:pPr>
+            <a:endParaRPr lang="en-US" altLang="ja-JP" dirty="0" smtClean="0"/>
+          </a:p>
+          <a:p>
+            <a:r>
+              <a:rPr lang="ja-JP" altLang="en-US" dirty="0" smtClean="0"/>
+              <a:t>デバイスコンテキスト、ハンドルなどの概念を初めて知った</a:t>
+            </a:r>
+            <a:endParaRPr lang="en-US" altLang="ja-JP" dirty="0" smtClean="0"/>
+          </a:p>
+          <a:p>
+            <a:endParaRPr lang="en-US" altLang="ja-JP" dirty="0"/>
+          </a:p>
+          <a:p>
+            <a:r>
+              <a:rPr lang="ja-JP" altLang="en-US" dirty="0" smtClean="0"/>
+              <a:t>頑張ればもう少し凝ったものも作れそう</a:t>
+            </a:r>
+            <a:r>
+              <a:rPr lang="en-US" altLang="ja-JP" dirty="0"/>
+              <a:t>…</a:t>
+            </a:r>
+            <a:r>
+              <a:rPr lang="ja-JP" altLang="en-US" dirty="0" smtClean="0"/>
+              <a:t>だけどもっと他にも選択肢はあると思う</a:t>
+            </a:r>
+            <a:endParaRPr lang="en-US" altLang="ja-JP" dirty="0"/>
+          </a:p>
+        </p:txBody>
+      </p:sp>
+    </p:spTree>
+    <p:extLst>
+      <p:ext uri="{BB962C8B-B14F-4D97-AF65-F5344CB8AC3E}">
+        <p14:creationId xmlns:p14="http://schemas.microsoft.com/office/powerpoint/2010/main" val="920507333"/>
+      </p:ext>
+    </p:extLst>
+  </p:cSld>
+  <p:clrMapOvr>
+    <a:masterClrMapping/>
+  </p:clrMapOvr>
+  <p:timing>
+    <p:tnLst>
+      <p:par>
+        <p:cTn id="1" dur="indefinite" restart="never" nodeType="tmRoot"/>
+      </p:par>
+    </p:tnLst>
+  </p:timing>
+</p:sld>
+</file>
+
+<file path=ppt/slides/slide16.xml><?xml version="1.0" encoding="utf-8"?>
+<p:sld xmlns:a="http://schemas.openxmlformats.org/drawingml/2006/main" xmlns:r="http://schemas.openxmlformats.org/officeDocument/2006/relationships" xmlns:p="http://schemas.openxmlformats.org/presentationml/2006/main">
+  <p:cSld>
+    <p:spTree>
+      <p:nvGrpSpPr>
+        <p:cNvPr id="1" name=""/>
+        <p:cNvGrpSpPr/>
+        <p:nvPr/>
+      </p:nvGrpSpPr>
+      <p:grpSpPr>
+        <a:xfrm>
+          <a:off x="0" y="0"/>
+          <a:ext cx="0" cy="0"/>
+          <a:chOff x="0" y="0"/>
+          <a:chExt cx="0" cy="0"/>
+        </a:xfrm>
+      </p:grpSpPr>
+      <p:sp>
+        <p:nvSpPr>
+          <p:cNvPr id="2" name="タイトル 1"/>
+          <p:cNvSpPr>
+            <a:spLocks noGrp="1"/>
+          </p:cNvSpPr>
+          <p:nvPr>
+            <p:ph type="title"/>
+          </p:nvPr>
+        </p:nvSpPr>
+        <p:spPr/>
+        <p:txBody>
+          <a:bodyPr/>
+          <a:lstStyle/>
+          <a:p>
+            <a:r>
+              <a:rPr kumimoji="1" lang="ja-JP" altLang="en-US" dirty="0" smtClean="0"/>
+              <a:t>全体感想</a:t>
+            </a:r>
+            <a:endParaRPr kumimoji="1" lang="ja-JP" altLang="en-US" dirty="0"/>
+          </a:p>
+        </p:txBody>
+      </p:sp>
+      <p:sp>
+        <p:nvSpPr>
+          <p:cNvPr id="6" name="コンテンツ プレースホルダー 2"/>
+          <p:cNvSpPr>
+            <a:spLocks noGrp="1"/>
+          </p:cNvSpPr>
+          <p:nvPr>
+            <p:ph idx="1"/>
+          </p:nvPr>
+        </p:nvSpPr>
+        <p:spPr>
+          <a:xfrm>
+            <a:off x="1435608" y="1447800"/>
+            <a:ext cx="7498080" cy="5077544"/>
+          </a:xfrm>
+        </p:spPr>
+        <p:txBody>
+          <a:bodyPr>
+            <a:normAutofit/>
+          </a:bodyPr>
+          <a:lstStyle/>
+          <a:p>
+            <a:r>
+              <a:rPr lang="en-US" altLang="ja-JP" smtClean="0"/>
+              <a:t>DEF_DLL</a:t>
+            </a:r>
+            <a:r>
+              <a:rPr lang="ja-JP" altLang="en-US" dirty="0" err="1" smtClean="0"/>
+              <a:t>のせいも</a:t>
+            </a:r>
+            <a:r>
+              <a:rPr lang="ja-JP" altLang="en-US" dirty="0" smtClean="0"/>
+              <a:t>あっておまじない系の記述が多い</a:t>
+            </a:r>
+            <a:r>
+              <a:rPr lang="en-US" altLang="ja-JP" dirty="0" smtClean="0"/>
+              <a:t>…</a:t>
+            </a:r>
+            <a:endParaRPr kumimoji="1" lang="en-US" altLang="ja-JP" dirty="0" smtClean="0"/>
+          </a:p>
+          <a:p>
+            <a:endParaRPr lang="en-US" altLang="ja-JP" dirty="0" smtClean="0"/>
+          </a:p>
+          <a:p>
+            <a:r>
+              <a:rPr lang="ja-JP" altLang="en-US" dirty="0" smtClean="0"/>
+              <a:t>あんまり理解してないけどとりあえず動くもやもや感</a:t>
+            </a:r>
+            <a:endParaRPr lang="en-US" altLang="ja-JP" dirty="0" smtClean="0"/>
+          </a:p>
+          <a:p>
+            <a:endParaRPr lang="en-US" altLang="ja-JP" dirty="0"/>
+          </a:p>
+          <a:p>
+            <a:r>
+              <a:rPr lang="en-US" altLang="ja-JP" dirty="0" err="1" smtClean="0"/>
+              <a:t>UWSC+WinAPI</a:t>
+            </a:r>
+            <a:r>
+              <a:rPr lang="ja-JP" altLang="en-US" dirty="0" smtClean="0"/>
+              <a:t>は、そもそも</a:t>
+            </a:r>
+            <a:r>
+              <a:rPr lang="en-US" altLang="ja-JP" dirty="0" err="1" smtClean="0"/>
+              <a:t>WinAPI</a:t>
+            </a:r>
+            <a:r>
+              <a:rPr lang="ja-JP" altLang="en-US" dirty="0" smtClean="0"/>
+              <a:t>に詳しくないと難しそう</a:t>
+            </a:r>
+            <a:endParaRPr lang="en-US" altLang="ja-JP" dirty="0"/>
+          </a:p>
+        </p:txBody>
+      </p:sp>
+    </p:spTree>
+    <p:extLst>
+      <p:ext uri="{BB962C8B-B14F-4D97-AF65-F5344CB8AC3E}">
+        <p14:creationId xmlns:p14="http://schemas.microsoft.com/office/powerpoint/2010/main" val="868550525"/>
+      </p:ext>
+    </p:extLst>
+  </p:cSld>
+  <p:clrMapOvr>
+    <a:masterClrMapping/>
+  </p:clrMapOvr>
+  <p:timing>
+    <p:tnLst>
+      <p:par>
+        <p:cTn id="1" dur="indefinite" restart="never" nodeType="tmRoot"/>
+      </p:par>
+    </p:tnLst>
+  </p:timing>
+</p:sld>
+</file>
+
+<file path=ppt/slides/slide17.xml><?xml version="1.0" encoding="utf-8"?>
+<p:sld xmlns:a="http://schemas.openxmlformats.org/drawingml/2006/main" xmlns:r="http://schemas.openxmlformats.org/officeDocument/2006/relationships" xmlns:p="http://schemas.openxmlformats.org/presentationml/2006/main">
+  <p:cSld>
+    <p:spTree>
+      <p:nvGrpSpPr>
+        <p:cNvPr id="1" name=""/>
+        <p:cNvGrpSpPr/>
+        <p:nvPr/>
+      </p:nvGrpSpPr>
+      <p:grpSpPr>
+        <a:xfrm>
+          <a:off x="0" y="0"/>
+          <a:ext cx="0" cy="0"/>
+          <a:chOff x="0" y="0"/>
+          <a:chExt cx="0" cy="0"/>
+        </a:xfrm>
+      </p:grpSpPr>
+      <p:sp>
+        <p:nvSpPr>
           <p:cNvPr id="2" name="タイトル 1"/>
           <p:cNvSpPr>
             <a:spLocks noGrp="1"/>
@@ -5122,7 +5663,7 @@
 </p:sld>
 </file>
 
-<file path=ppt/slides/slide14.xml><?xml version="1.0" encoding="utf-8"?>
+<file path=ppt/slides/slide18.xml><?xml version="1.0" encoding="utf-8"?>
 <p:sld xmlns:a="http://schemas.openxmlformats.org/drawingml/2006/main" xmlns:r="http://schemas.openxmlformats.org/officeDocument/2006/relationships" xmlns:p="http://schemas.openxmlformats.org/presentationml/2006/main">
   <p:cSld>
     <p:spTree>
@@ -5246,7 +5787,7 @@
 </p:sld>
 </file>
 
-<file path=ppt/slides/slide15.xml><?xml version="1.0" encoding="utf-8"?>
+<file path=ppt/slides/slide19.xml><?xml version="1.0" encoding="utf-8"?>
 <p:sld xmlns:a="http://schemas.openxmlformats.org/drawingml/2006/main" xmlns:r="http://schemas.openxmlformats.org/officeDocument/2006/relationships" xmlns:p="http://schemas.openxmlformats.org/presentationml/2006/main">
   <p:cSld>
     <p:spTree>
@@ -5280,36 +5821,38 @@
           </a:xfrm>
         </p:spPr>
         <p:txBody>
+          <a:bodyPr>
+            <a:normAutofit/>
+          </a:bodyPr>
+          <a:lstStyle/>
+          <a:p>
+            <a:pPr marL="82296" indent="0">
+              <a:buNone/>
+            </a:pPr>
+            <a:r>
+              <a:rPr kumimoji="1" lang="ja-JP" altLang="en-US" sz="3600" dirty="0" smtClean="0"/>
+              <a:t>ご清聴ありがとうございました</a:t>
+            </a:r>
+            <a:endParaRPr kumimoji="1" lang="ja-JP" altLang="en-US" sz="3600" dirty="0"/>
+          </a:p>
+        </p:txBody>
+      </p:sp>
+      <p:sp>
+        <p:nvSpPr>
+          <p:cNvPr id="4" name="タイトル 3"/>
+          <p:cNvSpPr>
+            <a:spLocks noGrp="1"/>
+          </p:cNvSpPr>
+          <p:nvPr>
+            <p:ph type="title"/>
+          </p:nvPr>
+        </p:nvSpPr>
+        <p:spPr/>
+        <p:txBody>
           <a:bodyPr/>
           <a:lstStyle/>
           <a:p>
-            <a:pPr marL="82296" indent="0">
-              <a:buNone/>
-            </a:pPr>
-            <a:r>
-              <a:rPr kumimoji="1" lang="ja-JP" altLang="en-US" dirty="0" smtClean="0"/>
-              <a:t>ご清聴ありがとうございました</a:t>
-            </a:r>
             <a:endParaRPr kumimoji="1" lang="ja-JP" altLang="en-US" dirty="0"/>
-          </a:p>
-        </p:txBody>
-      </p:sp>
-      <p:sp>
-        <p:nvSpPr>
-          <p:cNvPr id="4" name="タイトル 3"/>
-          <p:cNvSpPr>
-            <a:spLocks noGrp="1"/>
-          </p:cNvSpPr>
-          <p:nvPr>
-            <p:ph type="title"/>
-          </p:nvPr>
-        </p:nvSpPr>
-        <p:spPr/>
-        <p:txBody>
-          <a:bodyPr/>
-          <a:lstStyle/>
-          <a:p>
-            <a:endParaRPr kumimoji="1" lang="ja-JP" altLang="en-US"/>
           </a:p>
         </p:txBody>
       </p:sp>
@@ -5664,6 +6207,99 @@
     <p:extLst>
       <p:ext uri="{BB962C8B-B14F-4D97-AF65-F5344CB8AC3E}">
         <p14:creationId xmlns:p14="http://schemas.microsoft.com/office/powerpoint/2010/main" val="3760009759"/>
+      </p:ext>
+    </p:extLst>
+  </p:cSld>
+  <p:clrMapOvr>
+    <a:masterClrMapping/>
+  </p:clrMapOvr>
+  <p:timing>
+    <p:tnLst>
+      <p:par>
+        <p:cTn id="1" dur="indefinite" restart="never" nodeType="tmRoot"/>
+      </p:par>
+    </p:tnLst>
+  </p:timing>
+</p:sld>
+</file>
+
+<file path=ppt/slides/slide20.xml><?xml version="1.0" encoding="utf-8"?>
+<p:sld xmlns:a="http://schemas.openxmlformats.org/drawingml/2006/main" xmlns:r="http://schemas.openxmlformats.org/officeDocument/2006/relationships" xmlns:p="http://schemas.openxmlformats.org/presentationml/2006/main">
+  <p:cSld>
+    <p:spTree>
+      <p:nvGrpSpPr>
+        <p:cNvPr id="1" name=""/>
+        <p:cNvGrpSpPr/>
+        <p:nvPr/>
+      </p:nvGrpSpPr>
+      <p:grpSpPr>
+        <a:xfrm>
+          <a:off x="0" y="0"/>
+          <a:ext cx="0" cy="0"/>
+          <a:chOff x="0" y="0"/>
+          <a:chExt cx="0" cy="0"/>
+        </a:xfrm>
+      </p:grpSpPr>
+      <p:sp>
+        <p:nvSpPr>
+          <p:cNvPr id="3" name="コンテンツ プレースホルダー 2"/>
+          <p:cNvSpPr>
+            <a:spLocks noGrp="1"/>
+          </p:cNvSpPr>
+          <p:nvPr>
+            <p:ph idx="1"/>
+          </p:nvPr>
+        </p:nvSpPr>
+        <p:spPr>
+          <a:xfrm>
+            <a:off x="1435608" y="3068960"/>
+            <a:ext cx="7498080" cy="3179440"/>
+          </a:xfrm>
+        </p:spPr>
+        <p:txBody>
+          <a:bodyPr>
+            <a:normAutofit/>
+          </a:bodyPr>
+          <a:lstStyle/>
+          <a:p>
+            <a:pPr marL="82296" indent="0">
+              <a:buNone/>
+            </a:pPr>
+            <a:r>
+              <a:rPr kumimoji="1" lang="ja-JP" altLang="en-US" sz="2000" dirty="0" smtClean="0"/>
+              <a:t>ＵＷＳＣでうさぎとかめが作りたかった</a:t>
+            </a:r>
+            <a:endParaRPr kumimoji="1" lang="ja-JP" altLang="en-US" sz="2000" dirty="0"/>
+          </a:p>
+        </p:txBody>
+      </p:sp>
+      <p:sp>
+        <p:nvSpPr>
+          <p:cNvPr id="4" name="タイトル 3"/>
+          <p:cNvSpPr>
+            <a:spLocks noGrp="1"/>
+          </p:cNvSpPr>
+          <p:nvPr>
+            <p:ph type="title"/>
+          </p:nvPr>
+        </p:nvSpPr>
+        <p:spPr/>
+        <p:txBody>
+          <a:bodyPr/>
+          <a:lstStyle/>
+          <a:p>
+            <a:r>
+              <a:rPr kumimoji="1" lang="ja-JP" altLang="en-US" dirty="0" smtClean="0"/>
+              <a:t>実は</a:t>
+            </a:r>
+            <a:endParaRPr kumimoji="1" lang="ja-JP" altLang="en-US" dirty="0"/>
+          </a:p>
+        </p:txBody>
+      </p:sp>
+    </p:spTree>
+    <p:extLst>
+      <p:ext uri="{BB962C8B-B14F-4D97-AF65-F5344CB8AC3E}">
+        <p14:creationId xmlns:p14="http://schemas.microsoft.com/office/powerpoint/2010/main" val="672456402"/>
       </p:ext>
     </p:extLst>
   </p:cSld>
@@ -6830,25 +7466,6 @@
       </p:sp>
       <p:sp>
         <p:nvSpPr>
-          <p:cNvPr id="2" name="コンテンツ プレースホルダー 1"/>
-          <p:cNvSpPr>
-            <a:spLocks noGrp="1"/>
-          </p:cNvSpPr>
-          <p:nvPr>
-            <p:ph idx="1"/>
-          </p:nvPr>
-        </p:nvSpPr>
-        <p:spPr/>
-        <p:txBody>
-          <a:bodyPr/>
-          <a:lstStyle/>
-          <a:p>
-            <a:endParaRPr kumimoji="1" lang="ja-JP" altLang="en-US" dirty="0"/>
-          </a:p>
-        </p:txBody>
-      </p:sp>
-      <p:sp>
-        <p:nvSpPr>
           <p:cNvPr id="5" name="タイトル 1"/>
           <p:cNvSpPr txBox="1">
             <a:spLocks/>
@@ -6857,7 +7474,7 @@
         </p:nvSpPr>
         <p:spPr>
           <a:xfrm>
-            <a:off x="1432560" y="1556792"/>
+            <a:off x="1432560" y="2636912"/>
             <a:ext cx="7406640" cy="1472184"/>
           </a:xfrm>
           <a:prstGeom prst="rect">
